--- a/refs/Deep Q-learning with Experience Replay.pptx
+++ b/refs/Deep Q-learning with Experience Replay.pptx
@@ -3103,7 +3103,7 @@
         </p:nvSpPr>
         <p:spPr>
           <a:xfrm>
-            <a:off x="2400106" y="2665543"/>
+            <a:off x="3552234" y="2665543"/>
             <a:ext cx="720080" cy="720080"/>
           </a:xfrm>
           <a:prstGeom prst="rect">
@@ -3144,7 +3144,7 @@
         </p:nvSpPr>
         <p:spPr>
           <a:xfrm>
-            <a:off x="2555776" y="1844824"/>
+            <a:off x="3707904" y="1844824"/>
             <a:ext cx="420308" cy="400110"/>
           </a:xfrm>
           <a:prstGeom prst="rect">
@@ -3190,7 +3190,7 @@
         </p:nvCxnSpPr>
         <p:spPr>
           <a:xfrm flipH="1">
-            <a:off x="2760146" y="2244934"/>
+            <a:off x="3912274" y="2244934"/>
             <a:ext cx="5784" cy="420609"/>
           </a:xfrm>
           <a:prstGeom prst="straightConnector1">
@@ -3223,7 +3223,7 @@
         </p:nvSpPr>
         <p:spPr>
           <a:xfrm>
-            <a:off x="2555776" y="3817671"/>
+            <a:off x="3707904" y="3817671"/>
             <a:ext cx="420308" cy="400110"/>
           </a:xfrm>
           <a:prstGeom prst="rect">
@@ -3269,7 +3269,7 @@
         </p:nvCxnSpPr>
         <p:spPr>
           <a:xfrm>
-            <a:off x="2760146" y="3385623"/>
+            <a:off x="3912274" y="3385623"/>
             <a:ext cx="5784" cy="432048"/>
           </a:xfrm>
           <a:prstGeom prst="straightConnector1">
@@ -3302,7 +3302,7 @@
         </p:nvSpPr>
         <p:spPr>
           <a:xfrm>
-            <a:off x="2482220" y="2833812"/>
+            <a:off x="3634348" y="2833812"/>
             <a:ext cx="691215" cy="369332"/>
           </a:xfrm>
           <a:prstGeom prst="rect">
@@ -3352,7 +3352,7 @@
         </p:nvSpPr>
         <p:spPr>
           <a:xfrm>
-            <a:off x="3779912" y="3658879"/>
+            <a:off x="4932040" y="3658879"/>
             <a:ext cx="720080" cy="720080"/>
           </a:xfrm>
           <a:prstGeom prst="rect">
@@ -3393,7 +3393,7 @@
         </p:nvSpPr>
         <p:spPr>
           <a:xfrm>
-            <a:off x="3862026" y="3827148"/>
+            <a:off x="5014154" y="3827148"/>
             <a:ext cx="564578" cy="369332"/>
           </a:xfrm>
           <a:prstGeom prst="rect">
@@ -3432,7 +3432,7 @@
         </p:nvCxnSpPr>
         <p:spPr>
           <a:xfrm>
-            <a:off x="2976084" y="4017726"/>
+            <a:off x="4128212" y="4017726"/>
             <a:ext cx="803828" cy="1193"/>
           </a:xfrm>
           <a:prstGeom prst="straightConnector1">
@@ -3465,7 +3465,7 @@
         </p:nvSpPr>
         <p:spPr>
           <a:xfrm>
-            <a:off x="5182374" y="3809816"/>
+            <a:off x="6334502" y="3809816"/>
             <a:ext cx="609462" cy="400110"/>
           </a:xfrm>
           <a:prstGeom prst="rect">
@@ -3511,7 +3511,7 @@
         </p:nvCxnSpPr>
         <p:spPr>
           <a:xfrm flipV="1">
-            <a:off x="4499992" y="4009871"/>
+            <a:off x="5652120" y="4009871"/>
             <a:ext cx="682382" cy="9048"/>
           </a:xfrm>
           <a:prstGeom prst="straightConnector1">
@@ -3544,7 +3544,7 @@
         </p:nvSpPr>
         <p:spPr>
           <a:xfrm>
-            <a:off x="3935582" y="2767470"/>
+            <a:off x="5087710" y="2767470"/>
             <a:ext cx="420308" cy="400110"/>
           </a:xfrm>
           <a:prstGeom prst="rect">
@@ -3590,7 +3590,7 @@
         </p:nvCxnSpPr>
         <p:spPr>
           <a:xfrm flipV="1">
-            <a:off x="4139952" y="3167580"/>
+            <a:off x="5292080" y="3167580"/>
             <a:ext cx="5784" cy="491299"/>
           </a:xfrm>
           <a:prstGeom prst="straightConnector1">
@@ -3623,7 +3623,7 @@
         </p:nvSpPr>
         <p:spPr>
           <a:xfrm>
-            <a:off x="5105029" y="1686953"/>
+            <a:off x="6257157" y="1686953"/>
             <a:ext cx="720080" cy="720080"/>
           </a:xfrm>
           <a:prstGeom prst="rect">
@@ -3664,7 +3664,7 @@
         </p:nvSpPr>
         <p:spPr>
           <a:xfrm>
-            <a:off x="5189629" y="1846938"/>
+            <a:off x="6341757" y="1846938"/>
             <a:ext cx="609462" cy="400110"/>
           </a:xfrm>
           <a:prstGeom prst="rect">
@@ -3710,7 +3710,7 @@
         </p:nvCxnSpPr>
         <p:spPr>
           <a:xfrm flipH="1" flipV="1">
-            <a:off x="5465069" y="2407033"/>
+            <a:off x="6617197" y="2407033"/>
             <a:ext cx="22036" cy="1402783"/>
           </a:xfrm>
           <a:prstGeom prst="straightConnector1">
@@ -3746,7 +3746,7 @@
         </p:nvCxnSpPr>
         <p:spPr>
           <a:xfrm flipV="1">
-            <a:off x="2976084" y="1686953"/>
+            <a:off x="4128212" y="1686953"/>
             <a:ext cx="2488985" cy="357926"/>
           </a:xfrm>
           <a:prstGeom prst="bentConnector4">
@@ -3785,7 +3785,7 @@
         </p:nvCxnSpPr>
         <p:spPr>
           <a:xfrm flipV="1">
-            <a:off x="2976084" y="2046993"/>
+            <a:off x="4128212" y="2046993"/>
             <a:ext cx="2128945" cy="1970733"/>
           </a:xfrm>
           <a:prstGeom prst="bentConnector3">
@@ -3820,7 +3820,7 @@
         </p:nvSpPr>
         <p:spPr>
           <a:xfrm>
-            <a:off x="3785696" y="4941168"/>
+            <a:off x="4937824" y="4941168"/>
             <a:ext cx="720080" cy="720080"/>
           </a:xfrm>
           <a:prstGeom prst="rect">
@@ -3861,7 +3861,7 @@
         </p:nvSpPr>
         <p:spPr>
           <a:xfrm>
-            <a:off x="4033161" y="5089438"/>
+            <a:off x="5185289" y="5089438"/>
             <a:ext cx="325730" cy="400110"/>
           </a:xfrm>
           <a:prstGeom prst="rect">
@@ -3900,7 +3900,7 @@
         </p:nvCxnSpPr>
         <p:spPr>
           <a:xfrm>
-            <a:off x="2976084" y="2044879"/>
+            <a:off x="4128212" y="2044879"/>
             <a:ext cx="809612" cy="3256329"/>
           </a:xfrm>
           <a:prstGeom prst="bentConnector3">
@@ -3941,7 +3941,7 @@
         </p:nvCxnSpPr>
         <p:spPr>
           <a:xfrm>
-            <a:off x="2976084" y="4017726"/>
+            <a:off x="4128212" y="4017726"/>
             <a:ext cx="1169652" cy="1643522"/>
           </a:xfrm>
           <a:prstGeom prst="bentConnector4">
@@ -3983,7 +3983,7 @@
         </p:nvCxnSpPr>
         <p:spPr>
           <a:xfrm flipH="1">
-            <a:off x="4145736" y="2967525"/>
+            <a:off x="5297864" y="2967525"/>
             <a:ext cx="210154" cy="1973643"/>
           </a:xfrm>
           <a:prstGeom prst="bentConnector4">
@@ -4025,7 +4025,7 @@
         </p:nvCxnSpPr>
         <p:spPr>
           <a:xfrm flipH="1">
-            <a:off x="4505776" y="2046993"/>
+            <a:off x="5657904" y="2046993"/>
             <a:ext cx="1319333" cy="3254215"/>
           </a:xfrm>
           <a:prstGeom prst="bentConnector3">
@@ -4102,12 +4102,12 @@
         </p:nvCxnSpPr>
         <p:spPr>
           <a:xfrm rot="5400000" flipH="1">
-            <a:off x="2437680" y="3953193"/>
-            <a:ext cx="903889" cy="2512223"/>
+            <a:off x="3969745" y="4333129"/>
+            <a:ext cx="144016" cy="2512223"/>
           </a:xfrm>
           <a:prstGeom prst="bentConnector3">
             <a:avLst>
-              <a:gd name="adj1" fmla="val -25291"/>
+              <a:gd name="adj1" fmla="val -158732"/>
             </a:avLst>
           </a:prstGeom>
           <a:ln w="28575">
@@ -4140,7 +4140,7 @@
         </p:nvSpPr>
         <p:spPr>
           <a:xfrm>
-            <a:off x="833454" y="4357249"/>
+            <a:off x="1985582" y="5117122"/>
             <a:ext cx="1600118" cy="400110"/>
           </a:xfrm>
           <a:prstGeom prst="rect">
@@ -4221,15 +4221,15 @@
         <p:nvCxnSpPr>
           <p:cNvPr id="98" name="Connecteur en angle 97"/>
           <p:cNvCxnSpPr>
-            <a:stCxn id="96" idx="0"/>
+            <a:stCxn id="106" idx="0"/>
             <a:endCxn id="5" idx="1"/>
           </p:cNvCxnSpPr>
           <p:nvPr/>
         </p:nvCxnSpPr>
         <p:spPr>
           <a:xfrm rot="5400000" flipH="1" flipV="1">
-            <a:off x="1350976" y="3308120"/>
-            <a:ext cx="1331666" cy="766593"/>
+            <a:off x="2174630" y="2844972"/>
+            <a:ext cx="1196993" cy="1558216"/>
           </a:xfrm>
           <a:prstGeom prst="bentConnector2">
             <a:avLst/>
@@ -4264,7 +4264,7 @@
         </p:nvSpPr>
         <p:spPr>
           <a:xfrm>
-            <a:off x="83523" y="3554236"/>
+            <a:off x="1115616" y="3554236"/>
             <a:ext cx="2446504" cy="400110"/>
           </a:xfrm>
           <a:prstGeom prst="rect">
@@ -4376,6 +4376,174 @@
           </a:p>
         </p:txBody>
       </p:sp>
+      <p:sp>
+        <p:nvSpPr>
+          <p:cNvPr id="106" name="ZoneTexte 105"/>
+          <p:cNvSpPr txBox="1"/>
+          <p:nvPr/>
+        </p:nvSpPr>
+        <p:spPr>
+          <a:xfrm>
+            <a:off x="323528" y="4222576"/>
+            <a:ext cx="3340979" cy="400110"/>
+          </a:xfrm>
+          <a:prstGeom prst="rect">
+            <a:avLst/>
+          </a:prstGeom>
+          <a:noFill/>
+        </p:spPr>
+        <p:txBody>
+          <a:bodyPr wrap="none" rtlCol="0">
+            <a:spAutoFit/>
+          </a:bodyPr>
+          <a:lstStyle/>
+          <a:p>
+            <a:r>
+              <a:rPr lang="en-GB" sz="2000" dirty="0" err="1" smtClean="0">
+                <a:latin typeface="Consolas" panose="020B0609020204030204" pitchFamily="49" charset="0"/>
+                <a:cs typeface="Consolas" panose="020B0609020204030204" pitchFamily="49" charset="0"/>
+              </a:rPr>
+              <a:t>y</a:t>
+            </a:r>
+            <a:r>
+              <a:rPr lang="en-GB" sz="2000" baseline="-25000" dirty="0" err="1" smtClean="0">
+                <a:latin typeface="Consolas" panose="020B0609020204030204" pitchFamily="49" charset="0"/>
+                <a:cs typeface="Consolas" panose="020B0609020204030204" pitchFamily="49" charset="0"/>
+              </a:rPr>
+              <a:t>j</a:t>
+            </a:r>
+            <a:r>
+              <a:rPr lang="en-GB" sz="2000" baseline="-25000" dirty="0" smtClean="0">
+                <a:latin typeface="Consolas" panose="020B0609020204030204" pitchFamily="49" charset="0"/>
+                <a:cs typeface="Consolas" panose="020B0609020204030204" pitchFamily="49" charset="0"/>
+              </a:rPr>
+              <a:t> </a:t>
+            </a:r>
+            <a:r>
+              <a:rPr lang="en-GB" sz="2000" dirty="0" smtClean="0">
+                <a:latin typeface="Consolas" panose="020B0609020204030204" pitchFamily="49" charset="0"/>
+                <a:cs typeface="Consolas" panose="020B0609020204030204" pitchFamily="49" charset="0"/>
+              </a:rPr>
+              <a:t>= </a:t>
+            </a:r>
+            <a:r>
+              <a:rPr lang="en-GB" sz="2000" dirty="0" err="1" smtClean="0">
+                <a:latin typeface="Consolas" panose="020B0609020204030204" pitchFamily="49" charset="0"/>
+                <a:cs typeface="Consolas" panose="020B0609020204030204" pitchFamily="49" charset="0"/>
+              </a:rPr>
+              <a:t>r</a:t>
+            </a:r>
+            <a:r>
+              <a:rPr lang="en-GB" sz="2000" baseline="-25000" dirty="0" err="1" smtClean="0">
+                <a:latin typeface="Consolas" panose="020B0609020204030204" pitchFamily="49" charset="0"/>
+                <a:cs typeface="Consolas" panose="020B0609020204030204" pitchFamily="49" charset="0"/>
+              </a:rPr>
+              <a:t>t</a:t>
+            </a:r>
+            <a:r>
+              <a:rPr lang="en-GB" sz="2000" dirty="0" err="1" smtClean="0">
+                <a:latin typeface="Consolas" panose="020B0609020204030204" pitchFamily="49" charset="0"/>
+                <a:cs typeface="Consolas" panose="020B0609020204030204" pitchFamily="49" charset="0"/>
+              </a:rPr>
+              <a:t>|r</a:t>
+            </a:r>
+            <a:r>
+              <a:rPr lang="en-GB" sz="2000" baseline="-25000" dirty="0" err="1" smtClean="0">
+                <a:latin typeface="Consolas" panose="020B0609020204030204" pitchFamily="49" charset="0"/>
+                <a:cs typeface="Consolas" panose="020B0609020204030204" pitchFamily="49" charset="0"/>
+              </a:rPr>
+              <a:t>t</a:t>
+            </a:r>
+            <a:r>
+              <a:rPr lang="en-GB" sz="2000" baseline="-25000" dirty="0" smtClean="0">
+                <a:latin typeface="Consolas" panose="020B0609020204030204" pitchFamily="49" charset="0"/>
+                <a:cs typeface="Consolas" panose="020B0609020204030204" pitchFamily="49" charset="0"/>
+              </a:rPr>
+              <a:t>+ </a:t>
+            </a:r>
+            <a:r>
+              <a:rPr lang="el-GR" sz="2000" dirty="0" smtClean="0">
+                <a:latin typeface="Consolas" panose="020B0609020204030204" pitchFamily="49" charset="0"/>
+                <a:cs typeface="Consolas" panose="020B0609020204030204" pitchFamily="49" charset="0"/>
+              </a:rPr>
+              <a:t>γ</a:t>
+            </a:r>
+            <a:r>
+              <a:rPr lang="fr-FR" sz="2000" dirty="0" err="1" smtClean="0">
+                <a:latin typeface="Consolas" panose="020B0609020204030204" pitchFamily="49" charset="0"/>
+                <a:cs typeface="Consolas" panose="020B0609020204030204" pitchFamily="49" charset="0"/>
+              </a:rPr>
+              <a:t>maxQ</a:t>
+            </a:r>
+            <a:r>
+              <a:rPr lang="fr-FR" sz="2000" dirty="0" smtClean="0">
+                <a:latin typeface="Consolas" panose="020B0609020204030204" pitchFamily="49" charset="0"/>
+                <a:cs typeface="Consolas" panose="020B0609020204030204" pitchFamily="49" charset="0"/>
+              </a:rPr>
+              <a:t>(S</a:t>
+            </a:r>
+            <a:r>
+              <a:rPr lang="en-GB" sz="2000" baseline="-25000" dirty="0" smtClean="0">
+                <a:latin typeface="Consolas" panose="020B0609020204030204" pitchFamily="49" charset="0"/>
+                <a:cs typeface="Consolas" panose="020B0609020204030204" pitchFamily="49" charset="0"/>
+              </a:rPr>
+              <a:t>t+1 ,</a:t>
+            </a:r>
+            <a:r>
+              <a:rPr lang="en-GB" sz="2000" dirty="0" smtClean="0">
+                <a:latin typeface="Consolas" panose="020B0609020204030204" pitchFamily="49" charset="0"/>
+                <a:cs typeface="Consolas" panose="020B0609020204030204" pitchFamily="49" charset="0"/>
+              </a:rPr>
+              <a:t>a)</a:t>
+            </a:r>
+            <a:endParaRPr lang="en-GB" sz="2000" dirty="0">
+              <a:latin typeface="Consolas" panose="020B0609020204030204" pitchFamily="49" charset="0"/>
+              <a:cs typeface="Consolas" panose="020B0609020204030204" pitchFamily="49" charset="0"/>
+            </a:endParaRPr>
+          </a:p>
+        </p:txBody>
+      </p:sp>
+      <p:cxnSp>
+        <p:nvCxnSpPr>
+          <p:cNvPr id="108" name="Connecteur en angle 107"/>
+          <p:cNvCxnSpPr>
+            <a:stCxn id="96" idx="0"/>
+            <a:endCxn id="106" idx="2"/>
+          </p:cNvCxnSpPr>
+          <p:nvPr/>
+        </p:nvCxnSpPr>
+        <p:spPr>
+          <a:xfrm rot="16200000" flipV="1">
+            <a:off x="2142612" y="4474092"/>
+            <a:ext cx="494436" cy="791623"/>
+          </a:xfrm>
+          <a:prstGeom prst="bentConnector3">
+            <a:avLst>
+              <a:gd name="adj1" fmla="val 50000"/>
+            </a:avLst>
+          </a:prstGeom>
+          <a:ln w="28575">
+            <a:solidFill>
+              <a:schemeClr val="accent2"/>
+            </a:solidFill>
+            <a:tailEnd type="arrow"/>
+          </a:ln>
+        </p:spPr>
+        <p:style>
+          <a:lnRef idx="1">
+            <a:schemeClr val="accent1"/>
+          </a:lnRef>
+          <a:fillRef idx="0">
+            <a:schemeClr val="accent1"/>
+          </a:fillRef>
+          <a:effectRef idx="0">
+            <a:schemeClr val="accent1"/>
+          </a:effectRef>
+          <a:fontRef idx="minor">
+            <a:schemeClr val="tx1"/>
+          </a:fontRef>
+        </p:style>
+      </p:cxnSp>
     </p:spTree>
     <p:extLst>
       <p:ext uri="{BB962C8B-B14F-4D97-AF65-F5344CB8AC3E}">
